--- a/ข้อเสนอโครงงาน/ระบบพยากรณ์ฝนตกเฉพาะที่-_V2.pptx
+++ b/ข้อเสนอโครงงาน/ระบบพยากรณ์ฝนตกเฉพาะที่-_V2.pptx
@@ -8,11 +8,11 @@
     <p:sldId id="256" r:id="rId2"/>
     <p:sldId id="257" r:id="rId3"/>
     <p:sldId id="258" r:id="rId4"/>
-    <p:sldId id="272" r:id="rId5"/>
-    <p:sldId id="271" r:id="rId6"/>
-    <p:sldId id="259" r:id="rId7"/>
-    <p:sldId id="260" r:id="rId8"/>
-    <p:sldId id="269" r:id="rId9"/>
+    <p:sldId id="260" r:id="rId5"/>
+    <p:sldId id="259" r:id="rId6"/>
+    <p:sldId id="271" r:id="rId7"/>
+    <p:sldId id="269" r:id="rId8"/>
+    <p:sldId id="272" r:id="rId9"/>
     <p:sldId id="261" r:id="rId10"/>
     <p:sldId id="262" r:id="rId11"/>
     <p:sldId id="263" r:id="rId12"/>
@@ -7450,7 +7450,7 @@
           </a:prstGeom>
           <a:extLst>
             <a:ext uri="{909E8E84-426E-40dd-AFC4-6F175D3DCCD1}">
-              <a14:hiddenFill xmlns="" xmlns:a14="http://schemas.microsoft.com/office/drawing/2010/main">
+              <a14:hiddenFill xmlns:a14="http://schemas.microsoft.com/office/drawing/2010/main" xmlns="">
                 <a:solidFill>
                   <a:srgbClr val="FFFFFF"/>
                 </a:solidFill>
@@ -9145,8 +9145,8 @@
         </p:nvSpPr>
         <p:spPr>
           <a:xfrm>
-            <a:off x="94550" y="2058890"/>
-            <a:ext cx="8920065" cy="4799110"/>
+            <a:off x="318484" y="2058890"/>
+            <a:ext cx="8601581" cy="4799110"/>
           </a:xfrm>
         </p:spPr>
         <p:txBody>
@@ -9547,11 +9547,18 @@
                   <a:schemeClr val="bg1"/>
                 </a:solidFill>
               </a:rPr>
-              <a:t>การเกิดภาวะเรือนกระจกทำให้สภาวะอากาศแปรปรวน</a:t>
-            </a:r>
-          </a:p>
-          <a:p>
-            <a:endParaRPr lang="th-TH" dirty="0"/>
+              <a:t>เนื่องจากปัจจุบันสภาวะอากาศของโลกมีการเปลี่ยนแปลง เกิดภาวะโลกร้อน และ ภาวะเรือนกระจก </a:t>
+            </a:r>
+          </a:p>
+          <a:p>
+            <a:r>
+              <a:rPr lang="th-TH" sz="3200" dirty="0">
+                <a:solidFill>
+                  <a:schemeClr val="bg1"/>
+                </a:solidFill>
+              </a:rPr>
+              <a:t>ฝนไม่ตกตามฤดูกาล</a:t>
+            </a:r>
           </a:p>
         </p:txBody>
       </p:sp>
@@ -9577,8 +9584,8 @@
         </p:blipFill>
         <p:spPr>
           <a:xfrm>
-            <a:off x="1143740" y="3360768"/>
-            <a:ext cx="3214688" cy="2271713"/>
+            <a:off x="1516965" y="4012163"/>
+            <a:ext cx="3019106" cy="2133502"/>
           </a:xfrm>
           <a:prstGeom prst="rect">
             <a:avLst/>
@@ -9607,7 +9614,7 @@
         </p:blipFill>
         <p:spPr>
           <a:xfrm>
-            <a:off x="5432081" y="3075567"/>
+            <a:off x="5842628" y="3495141"/>
             <a:ext cx="1988708" cy="2650524"/>
           </a:xfrm>
           <a:prstGeom prst="rect">
@@ -9793,108 +9800,90 @@
         <p:spPr>
           <a:xfrm>
             <a:off x="533400" y="2336873"/>
-            <a:ext cx="7504611" cy="1255413"/>
+            <a:ext cx="7530737" cy="3599316"/>
           </a:xfrm>
         </p:spPr>
         <p:txBody>
           <a:bodyPr/>
           <a:lstStyle/>
           <a:p>
+            <a:pPr>
+              <a:lnSpc>
+                <a:spcPct val="150000"/>
+              </a:lnSpc>
+            </a:pPr>
             <a:r>
               <a:rPr lang="th-TH" sz="3200" b="1" dirty="0">
                 <a:solidFill>
                   <a:schemeClr val="bg1"/>
                 </a:solidFill>
+                <a:latin typeface="Cordia New (Body)"/>
               </a:rPr>
-              <a:t>ไม่มี </a:t>
-            </a:r>
-            <a:r>
-              <a:rPr lang="th-TH" sz="3200" dirty="0">
+              <a:t>ระบบพยากรณ์ฝนตกเฉพาะที่ </a:t>
+            </a:r>
+          </a:p>
+          <a:p>
+            <a:pPr marL="0" indent="0">
+              <a:lnSpc>
+                <a:spcPct val="150000"/>
+              </a:lnSpc>
+              <a:buNone/>
+            </a:pPr>
+            <a:r>
+              <a:rPr lang="th-TH" sz="2800" dirty="0">
                 <a:solidFill>
                   <a:schemeClr val="bg1"/>
                 </a:solidFill>
+                <a:latin typeface="Cordia New (Body)"/>
               </a:rPr>
-              <a:t>ระบบพยากรณ์ฝนตกเฉพาะที่</a:t>
-            </a:r>
-          </a:p>
-          <a:p>
-            <a:pPr lvl="1"/>
+              <a:t>เป็นการพยากรณ์อากาศปัจจุบัน </a:t>
+            </a:r>
+            <a:r>
+              <a:rPr lang="en-US" dirty="0">
+                <a:solidFill>
+                  <a:schemeClr val="bg1"/>
+                </a:solidFill>
+                <a:latin typeface="Cordia New (Body)"/>
+              </a:rPr>
+              <a:t>(Now cast) </a:t>
+            </a:r>
             <a:r>
               <a:rPr lang="th-TH" sz="2800" dirty="0">
                 <a:solidFill>
                   <a:schemeClr val="bg1"/>
                 </a:solidFill>
+                <a:latin typeface="Cordia New (Body)"/>
               </a:rPr>
-              <a:t>เกิดฝนตก เก็บสิ่งที่เอาไปตากไม่ทัน</a:t>
-            </a:r>
+              <a:t>โดยใช้การพยากรณ์อากาศเชิงตัวเลข </a:t>
+            </a:r>
+            <a:r>
+              <a:rPr lang="en-US" dirty="0">
+                <a:solidFill>
+                  <a:schemeClr val="bg1"/>
+                </a:solidFill>
+                <a:latin typeface="Cordia New (Body)"/>
+              </a:rPr>
+              <a:t>(numerical weather prediction-NWP)</a:t>
+            </a:r>
+            <a:endParaRPr lang="th-TH" sz="2800" dirty="0">
+              <a:solidFill>
+                <a:schemeClr val="bg1"/>
+              </a:solidFill>
+              <a:latin typeface="Cordia New (Body)"/>
+            </a:endParaRPr>
+          </a:p>
+          <a:p>
+            <a:endParaRPr lang="en-US" dirty="0"/>
+          </a:p>
+          <a:p>
             <a:endParaRPr lang="th-TH" dirty="0"/>
           </a:p>
         </p:txBody>
       </p:sp>
-      <p:pic>
-        <p:nvPicPr>
-          <p:cNvPr id="4" name="Picture 3"/>
-          <p:cNvPicPr>
-            <a:picLocks noChangeAspect="1"/>
-          </p:cNvPicPr>
-          <p:nvPr/>
-        </p:nvPicPr>
-        <p:blipFill>
-          <a:blip r:embed="rId2">
-            <a:extLst>
-              <a:ext uri="{28A0092B-C50C-407E-A947-70E740481C1C}">
-                <a14:useLocalDpi xmlns:a14="http://schemas.microsoft.com/office/drawing/2010/main" val="0"/>
-              </a:ext>
-            </a:extLst>
-          </a:blip>
-          <a:stretch>
-            <a:fillRect/>
-          </a:stretch>
-        </p:blipFill>
-        <p:spPr>
-          <a:xfrm>
-            <a:off x="900963" y="4015546"/>
-            <a:ext cx="3496710" cy="2050126"/>
-          </a:xfrm>
-          <a:prstGeom prst="rect">
-            <a:avLst/>
-          </a:prstGeom>
-        </p:spPr>
-      </p:pic>
-      <p:pic>
-        <p:nvPicPr>
-          <p:cNvPr id="5" name="Picture 4"/>
-          <p:cNvPicPr>
-            <a:picLocks noChangeAspect="1"/>
-          </p:cNvPicPr>
-          <p:nvPr/>
-        </p:nvPicPr>
-        <p:blipFill>
-          <a:blip r:embed="rId3">
-            <a:extLst>
-              <a:ext uri="{28A0092B-C50C-407E-A947-70E740481C1C}">
-                <a14:useLocalDpi xmlns:a14="http://schemas.microsoft.com/office/drawing/2010/main" val="0"/>
-              </a:ext>
-            </a:extLst>
-          </a:blip>
-          <a:stretch>
-            <a:fillRect/>
-          </a:stretch>
-        </p:blipFill>
-        <p:spPr>
-          <a:xfrm>
-            <a:off x="5036897" y="4015546"/>
-            <a:ext cx="3066428" cy="2050126"/>
-          </a:xfrm>
-          <a:prstGeom prst="rect">
-            <a:avLst/>
-          </a:prstGeom>
-        </p:spPr>
-      </p:pic>
     </p:spTree>
     <p:extLst>
       <p:ext uri="{BB962C8B-B14F-4D97-AF65-F5344CB8AC3E}">
-        <p14:creationId xmlns:p14="http://schemas.microsoft.com/office/powerpoint/2010/main" val="3469938554"/>
+        <p14:creationId xmlns:p14="http://schemas.microsoft.com/office/powerpoint/2010/main" val="3445683388"/>
       </p:ext>
     </p:extLst>
   </p:cSld>
@@ -9959,7 +9948,7 @@
         <p:spPr>
           <a:xfrm>
             <a:off x="533400" y="2336873"/>
-            <a:ext cx="7504611" cy="1255413"/>
+            <a:ext cx="7417526" cy="3599316"/>
           </a:xfrm>
         </p:spPr>
         <p:txBody>
@@ -9967,6 +9956,173 @@
           <a:lstStyle/>
           <a:p>
             <a:r>
+              <a:rPr lang="th-TH" sz="3200" dirty="0">
+                <a:solidFill>
+                  <a:schemeClr val="bg1"/>
+                </a:solidFill>
+              </a:rPr>
+              <a:t>ปกติการพยากรณ์จะบอกเป็นพื้นที่โดยรวม เช่น ภาค</a:t>
+            </a:r>
+            <a:r>
+              <a:rPr lang="en-US" sz="3200" dirty="0">
+                <a:solidFill>
+                  <a:schemeClr val="bg1"/>
+                </a:solidFill>
+              </a:rPr>
+              <a:t>,</a:t>
+            </a:r>
+            <a:r>
+              <a:rPr lang="th-TH" sz="3200" dirty="0">
+                <a:solidFill>
+                  <a:schemeClr val="bg1"/>
+                </a:solidFill>
+              </a:rPr>
+              <a:t>จังหวัด</a:t>
+            </a:r>
+          </a:p>
+          <a:p>
+            <a:endParaRPr lang="th-TH" dirty="0"/>
+          </a:p>
+        </p:txBody>
+      </p:sp>
+      <p:pic>
+        <p:nvPicPr>
+          <p:cNvPr id="4" name="Picture 3"/>
+          <p:cNvPicPr>
+            <a:picLocks noChangeAspect="1"/>
+          </p:cNvPicPr>
+          <p:nvPr/>
+        </p:nvPicPr>
+        <p:blipFill>
+          <a:blip r:embed="rId2">
+            <a:extLst>
+              <a:ext uri="{28A0092B-C50C-407E-A947-70E740481C1C}">
+                <a14:useLocalDpi xmlns:a14="http://schemas.microsoft.com/office/drawing/2010/main" val="0"/>
+              </a:ext>
+            </a:extLst>
+          </a:blip>
+          <a:stretch>
+            <a:fillRect/>
+          </a:stretch>
+        </p:blipFill>
+        <p:spPr>
+          <a:xfrm>
+            <a:off x="790341" y="3283435"/>
+            <a:ext cx="4414243" cy="2438808"/>
+          </a:xfrm>
+          <a:prstGeom prst="rect">
+            <a:avLst/>
+          </a:prstGeom>
+        </p:spPr>
+      </p:pic>
+      <p:pic>
+        <p:nvPicPr>
+          <p:cNvPr id="5" name="Picture 4"/>
+          <p:cNvPicPr>
+            <a:picLocks noChangeAspect="1"/>
+          </p:cNvPicPr>
+          <p:nvPr/>
+        </p:nvPicPr>
+        <p:blipFill>
+          <a:blip r:embed="rId3" cstate="print">
+            <a:extLst>
+              <a:ext uri="{28A0092B-C50C-407E-A947-70E740481C1C}">
+                <a14:useLocalDpi xmlns:a14="http://schemas.microsoft.com/office/drawing/2010/main" val="0"/>
+              </a:ext>
+            </a:extLst>
+          </a:blip>
+          <a:stretch>
+            <a:fillRect/>
+          </a:stretch>
+        </p:blipFill>
+        <p:spPr>
+          <a:xfrm>
+            <a:off x="5660442" y="2935794"/>
+            <a:ext cx="2290484" cy="3478813"/>
+          </a:xfrm>
+          <a:prstGeom prst="rect">
+            <a:avLst/>
+          </a:prstGeom>
+        </p:spPr>
+      </p:pic>
+    </p:spTree>
+    <p:extLst>
+      <p:ext uri="{BB962C8B-B14F-4D97-AF65-F5344CB8AC3E}">
+        <p14:creationId xmlns:p14="http://schemas.microsoft.com/office/powerpoint/2010/main" val="2341195800"/>
+      </p:ext>
+    </p:extLst>
+  </p:cSld>
+  <p:clrMapOvr>
+    <a:masterClrMapping/>
+  </p:clrMapOvr>
+</p:sld>
+</file>
+
+<file path=ppt/slides/slide6.xml><?xml version="1.0" encoding="utf-8"?>
+<p:sld xmlns:a="http://schemas.openxmlformats.org/drawingml/2006/main" xmlns:r="http://schemas.openxmlformats.org/officeDocument/2006/relationships" xmlns:p="http://schemas.openxmlformats.org/presentationml/2006/main">
+  <p:cSld>
+    <p:spTree>
+      <p:nvGrpSpPr>
+        <p:cNvPr id="1" name=""/>
+        <p:cNvGrpSpPr/>
+        <p:nvPr/>
+      </p:nvGrpSpPr>
+      <p:grpSpPr>
+        <a:xfrm>
+          <a:off x="0" y="0"/>
+          <a:ext cx="0" cy="0"/>
+          <a:chOff x="0" y="0"/>
+          <a:chExt cx="0" cy="0"/>
+        </a:xfrm>
+      </p:grpSpPr>
+      <p:sp>
+        <p:nvSpPr>
+          <p:cNvPr id="2" name="Title 1"/>
+          <p:cNvSpPr>
+            <a:spLocks noGrp="1"/>
+          </p:cNvSpPr>
+          <p:nvPr>
+            <p:ph type="title"/>
+          </p:nvPr>
+        </p:nvSpPr>
+        <p:spPr/>
+        <p:txBody>
+          <a:bodyPr>
+            <a:normAutofit/>
+          </a:bodyPr>
+          <a:lstStyle/>
+          <a:p>
+            <a:pPr algn="ctr"/>
+            <a:r>
+              <a:rPr lang="th-TH" sz="4800" dirty="0"/>
+              <a:t>หลักการและเหตุผล</a:t>
+            </a:r>
+          </a:p>
+        </p:txBody>
+      </p:sp>
+      <p:sp>
+        <p:nvSpPr>
+          <p:cNvPr id="3" name="Content Placeholder 2"/>
+          <p:cNvSpPr>
+            <a:spLocks noGrp="1"/>
+          </p:cNvSpPr>
+          <p:nvPr>
+            <p:ph idx="1"/>
+          </p:nvPr>
+        </p:nvSpPr>
+        <p:spPr>
+          <a:xfrm>
+            <a:off x="533400" y="2336873"/>
+            <a:ext cx="7826829" cy="1423364"/>
+          </a:xfrm>
+        </p:spPr>
+        <p:txBody>
+          <a:bodyPr>
+            <a:normAutofit fontScale="92500" lnSpcReduction="10000"/>
+          </a:bodyPr>
+          <a:lstStyle/>
+          <a:p>
+            <a:r>
               <a:rPr lang="th-TH" sz="3200" b="1" dirty="0">
                 <a:solidFill>
                   <a:schemeClr val="bg1"/>
@@ -9981,6 +10137,16 @@
                 </a:solidFill>
               </a:rPr>
               <a:t>ระบบพยากรณ์ฝนตกเฉพาะที่</a:t>
+            </a:r>
+          </a:p>
+          <a:p>
+            <a:r>
+              <a:rPr lang="th-TH" sz="3200" dirty="0">
+                <a:solidFill>
+                  <a:schemeClr val="bg1"/>
+                </a:solidFill>
+              </a:rPr>
+              <a:t>ทำให้สามารถวางแผนการป้องกันและลดความสูญเสีย</a:t>
             </a:r>
           </a:p>
           <a:p>
@@ -10092,171 +10258,6 @@
 </p:sld>
 </file>
 
-<file path=ppt/slides/slide6.xml><?xml version="1.0" encoding="utf-8"?>
-<p:sld xmlns:a="http://schemas.openxmlformats.org/drawingml/2006/main" xmlns:r="http://schemas.openxmlformats.org/officeDocument/2006/relationships" xmlns:p="http://schemas.openxmlformats.org/presentationml/2006/main">
-  <p:cSld>
-    <p:spTree>
-      <p:nvGrpSpPr>
-        <p:cNvPr id="1" name=""/>
-        <p:cNvGrpSpPr/>
-        <p:nvPr/>
-      </p:nvGrpSpPr>
-      <p:grpSpPr>
-        <a:xfrm>
-          <a:off x="0" y="0"/>
-          <a:ext cx="0" cy="0"/>
-          <a:chOff x="0" y="0"/>
-          <a:chExt cx="0" cy="0"/>
-        </a:xfrm>
-      </p:grpSpPr>
-      <p:sp>
-        <p:nvSpPr>
-          <p:cNvPr id="2" name="Title 1"/>
-          <p:cNvSpPr>
-            <a:spLocks noGrp="1"/>
-          </p:cNvSpPr>
-          <p:nvPr>
-            <p:ph type="title"/>
-          </p:nvPr>
-        </p:nvSpPr>
-        <p:spPr/>
-        <p:txBody>
-          <a:bodyPr>
-            <a:normAutofit/>
-          </a:bodyPr>
-          <a:lstStyle/>
-          <a:p>
-            <a:pPr algn="ctr"/>
-            <a:r>
-              <a:rPr lang="th-TH" sz="4800" dirty="0"/>
-              <a:t>หลักการและเหตุผล</a:t>
-            </a:r>
-          </a:p>
-        </p:txBody>
-      </p:sp>
-      <p:sp>
-        <p:nvSpPr>
-          <p:cNvPr id="3" name="Content Placeholder 2"/>
-          <p:cNvSpPr>
-            <a:spLocks noGrp="1"/>
-          </p:cNvSpPr>
-          <p:nvPr>
-            <p:ph idx="1"/>
-          </p:nvPr>
-        </p:nvSpPr>
-        <p:spPr>
-          <a:xfrm>
-            <a:off x="533400" y="2336873"/>
-            <a:ext cx="7417526" cy="3599316"/>
-          </a:xfrm>
-        </p:spPr>
-        <p:txBody>
-          <a:bodyPr/>
-          <a:lstStyle/>
-          <a:p>
-            <a:r>
-              <a:rPr lang="th-TH" sz="3200" dirty="0">
-                <a:solidFill>
-                  <a:schemeClr val="bg1"/>
-                </a:solidFill>
-              </a:rPr>
-              <a:t>ปกติการพยากรณ์จะบอกเป็นพื้นที่โดยรวม เช่น ภาค</a:t>
-            </a:r>
-            <a:r>
-              <a:rPr lang="en-US" sz="3200" dirty="0">
-                <a:solidFill>
-                  <a:schemeClr val="bg1"/>
-                </a:solidFill>
-              </a:rPr>
-              <a:t>,</a:t>
-            </a:r>
-            <a:r>
-              <a:rPr lang="th-TH" sz="3200" dirty="0">
-                <a:solidFill>
-                  <a:schemeClr val="bg1"/>
-                </a:solidFill>
-              </a:rPr>
-              <a:t>จังหวัด</a:t>
-            </a:r>
-          </a:p>
-          <a:p>
-            <a:endParaRPr lang="th-TH" dirty="0"/>
-          </a:p>
-        </p:txBody>
-      </p:sp>
-      <p:pic>
-        <p:nvPicPr>
-          <p:cNvPr id="4" name="Picture 3"/>
-          <p:cNvPicPr>
-            <a:picLocks noChangeAspect="1"/>
-          </p:cNvPicPr>
-          <p:nvPr/>
-        </p:nvPicPr>
-        <p:blipFill>
-          <a:blip r:embed="rId2">
-            <a:extLst>
-              <a:ext uri="{28A0092B-C50C-407E-A947-70E740481C1C}">
-                <a14:useLocalDpi xmlns:a14="http://schemas.microsoft.com/office/drawing/2010/main" val="0"/>
-              </a:ext>
-            </a:extLst>
-          </a:blip>
-          <a:stretch>
-            <a:fillRect/>
-          </a:stretch>
-        </p:blipFill>
-        <p:spPr>
-          <a:xfrm>
-            <a:off x="790341" y="3283435"/>
-            <a:ext cx="4414243" cy="2438808"/>
-          </a:xfrm>
-          <a:prstGeom prst="rect">
-            <a:avLst/>
-          </a:prstGeom>
-        </p:spPr>
-      </p:pic>
-      <p:pic>
-        <p:nvPicPr>
-          <p:cNvPr id="5" name="Picture 4"/>
-          <p:cNvPicPr>
-            <a:picLocks noChangeAspect="1"/>
-          </p:cNvPicPr>
-          <p:nvPr/>
-        </p:nvPicPr>
-        <p:blipFill>
-          <a:blip r:embed="rId3" cstate="print">
-            <a:extLst>
-              <a:ext uri="{28A0092B-C50C-407E-A947-70E740481C1C}">
-                <a14:useLocalDpi xmlns:a14="http://schemas.microsoft.com/office/drawing/2010/main" val="0"/>
-              </a:ext>
-            </a:extLst>
-          </a:blip>
-          <a:stretch>
-            <a:fillRect/>
-          </a:stretch>
-        </p:blipFill>
-        <p:spPr>
-          <a:xfrm>
-            <a:off x="5660442" y="2935794"/>
-            <a:ext cx="2290484" cy="3478813"/>
-          </a:xfrm>
-          <a:prstGeom prst="rect">
-            <a:avLst/>
-          </a:prstGeom>
-        </p:spPr>
-      </p:pic>
-    </p:spTree>
-    <p:extLst>
-      <p:ext uri="{BB962C8B-B14F-4D97-AF65-F5344CB8AC3E}">
-        <p14:creationId xmlns:p14="http://schemas.microsoft.com/office/powerpoint/2010/main" val="2341195800"/>
-      </p:ext>
-    </p:extLst>
-  </p:cSld>
-  <p:clrMapOvr>
-    <a:masterClrMapping/>
-  </p:clrMapOvr>
-</p:sld>
-</file>
-
 <file path=ppt/slides/slide7.xml><?xml version="1.0" encoding="utf-8"?>
 <p:sld xmlns:a="http://schemas.openxmlformats.org/drawingml/2006/main" xmlns:r="http://schemas.openxmlformats.org/officeDocument/2006/relationships" xmlns:p="http://schemas.openxmlformats.org/presentationml/2006/main">
   <p:cSld>
@@ -10316,7 +10317,9 @@
           </a:xfrm>
         </p:spPr>
         <p:txBody>
-          <a:bodyPr/>
+          <a:bodyPr>
+            <a:normAutofit/>
+          </a:bodyPr>
           <a:lstStyle/>
           <a:p>
             <a:pPr>
@@ -10325,77 +10328,51 @@
               </a:lnSpc>
             </a:pPr>
             <a:r>
-              <a:rPr lang="th-TH" sz="3200" b="1" dirty="0">
+              <a:rPr lang="th-TH" sz="3200" dirty="0">
                 <a:solidFill>
                   <a:schemeClr val="bg1"/>
                 </a:solidFill>
-                <a:latin typeface="Cordia New (Body)"/>
               </a:rPr>
-              <a:t>ระบบพยากรณ์ฝนตกเฉพาะที่ </a:t>
-            </a:r>
-          </a:p>
-          <a:p>
-            <a:pPr marL="0" indent="0">
+              <a:t>ช่วยให้เราสามารถรับรู้การเกิดฝนได้เฉพาะที่ได้ล่วงหน้า</a:t>
+            </a:r>
+          </a:p>
+          <a:p>
+            <a:pPr>
               <a:lnSpc>
                 <a:spcPct val="150000"/>
               </a:lnSpc>
-              <a:buNone/>
             </a:pPr>
             <a:r>
-              <a:rPr lang="th-TH" sz="2800" dirty="0">
+              <a:rPr lang="th-TH" sz="3200" dirty="0">
                 <a:solidFill>
                   <a:schemeClr val="bg1"/>
                 </a:solidFill>
-                <a:latin typeface="Cordia New (Body)"/>
               </a:rPr>
-              <a:t>เป็นการพยากรณ์อากาศปัจจุบัน </a:t>
-            </a:r>
-            <a:r>
-              <a:rPr lang="en-US" dirty="0">
-                <a:solidFill>
-                  <a:schemeClr val="bg1"/>
-                </a:solidFill>
-                <a:latin typeface="Cordia New (Body)"/>
-              </a:rPr>
-              <a:t>(Now cast) </a:t>
-            </a:r>
-            <a:r>
-              <a:rPr lang="th-TH" sz="2800" dirty="0">
-                <a:solidFill>
-                  <a:schemeClr val="bg1"/>
-                </a:solidFill>
-                <a:latin typeface="Cordia New (Body)"/>
-              </a:rPr>
-              <a:t>โดยใช้การพยากรณ์อากาศเชิงตัวเลข </a:t>
-            </a:r>
-            <a:r>
-              <a:rPr lang="en-US" dirty="0">
-                <a:solidFill>
-                  <a:schemeClr val="bg1"/>
-                </a:solidFill>
-                <a:latin typeface="Cordia New (Body)"/>
-              </a:rPr>
-              <a:t>(numerical weather prediction-NWP)</a:t>
-            </a:r>
-            <a:endParaRPr lang="th-TH" sz="2800" dirty="0">
-              <a:solidFill>
-                <a:schemeClr val="bg1"/>
-              </a:solidFill>
-              <a:latin typeface="Cordia New (Body)"/>
-            </a:endParaRPr>
-          </a:p>
-          <a:p>
-            <a:endParaRPr lang="en-US" dirty="0"/>
-          </a:p>
-          <a:p>
-            <a:endParaRPr lang="th-TH" dirty="0"/>
+              <a:t>ช่วยให้เราสามารถรับรู้ข้อมูลสภาวะอากาศเฉพาะที่ได้</a:t>
+            </a:r>
+          </a:p>
+          <a:p>
+            <a:pPr>
+              <a:lnSpc>
+                <a:spcPct val="150000"/>
+              </a:lnSpc>
+            </a:pPr>
+            <a:endParaRPr lang="en-US" sz="3200" dirty="0"/>
+          </a:p>
+          <a:p>
+            <a:pPr>
+              <a:lnSpc>
+                <a:spcPct val="150000"/>
+              </a:lnSpc>
+            </a:pPr>
+            <a:endParaRPr lang="th-TH" sz="3200" dirty="0"/>
           </a:p>
         </p:txBody>
       </p:sp>
     </p:spTree>
     <p:extLst>
       <p:ext uri="{BB962C8B-B14F-4D97-AF65-F5344CB8AC3E}">
-        <p14:creationId xmlns:p14="http://schemas.microsoft.com/office/powerpoint/2010/main" val="3445683388"/>
+        <p14:creationId xmlns:p14="http://schemas.microsoft.com/office/powerpoint/2010/main" val="1839453260"/>
       </p:ext>
     </p:extLst>
   </p:cSld>
@@ -10447,9 +10424,69 @@
           </a:p>
         </p:txBody>
       </p:sp>
-      <p:sp>
-        <p:nvSpPr>
-          <p:cNvPr id="3" name="Content Placeholder 2"/>
+      <p:pic>
+        <p:nvPicPr>
+          <p:cNvPr id="4" name="Picture 3"/>
+          <p:cNvPicPr>
+            <a:picLocks noChangeAspect="1"/>
+          </p:cNvPicPr>
+          <p:nvPr/>
+        </p:nvPicPr>
+        <p:blipFill>
+          <a:blip r:embed="rId2">
+            <a:extLst>
+              <a:ext uri="{28A0092B-C50C-407E-A947-70E740481C1C}">
+                <a14:useLocalDpi xmlns:a14="http://schemas.microsoft.com/office/drawing/2010/main" val="0"/>
+              </a:ext>
+            </a:extLst>
+          </a:blip>
+          <a:stretch>
+            <a:fillRect/>
+          </a:stretch>
+        </p:blipFill>
+        <p:spPr>
+          <a:xfrm>
+            <a:off x="900963" y="4015546"/>
+            <a:ext cx="3496710" cy="2050126"/>
+          </a:xfrm>
+          <a:prstGeom prst="rect">
+            <a:avLst/>
+          </a:prstGeom>
+        </p:spPr>
+      </p:pic>
+      <p:pic>
+        <p:nvPicPr>
+          <p:cNvPr id="5" name="Picture 4"/>
+          <p:cNvPicPr>
+            <a:picLocks noChangeAspect="1"/>
+          </p:cNvPicPr>
+          <p:nvPr/>
+        </p:nvPicPr>
+        <p:blipFill>
+          <a:blip r:embed="rId3">
+            <a:extLst>
+              <a:ext uri="{28A0092B-C50C-407E-A947-70E740481C1C}">
+                <a14:useLocalDpi xmlns:a14="http://schemas.microsoft.com/office/drawing/2010/main" val="0"/>
+              </a:ext>
+            </a:extLst>
+          </a:blip>
+          <a:stretch>
+            <a:fillRect/>
+          </a:stretch>
+        </p:blipFill>
+        <p:spPr>
+          <a:xfrm>
+            <a:off x="5036897" y="4015546"/>
+            <a:ext cx="3066428" cy="2050126"/>
+          </a:xfrm>
+          <a:prstGeom prst="rect">
+            <a:avLst/>
+          </a:prstGeom>
+        </p:spPr>
+      </p:pic>
+      <p:sp>
+        <p:nvSpPr>
+          <p:cNvPr id="7" name="Content Placeholder 2"/>
           <p:cNvSpPr>
             <a:spLocks noGrp="1"/>
           </p:cNvSpPr>
@@ -10460,66 +10497,60 @@
         <p:spPr>
           <a:xfrm>
             <a:off x="533400" y="2336873"/>
-            <a:ext cx="7530737" cy="3599316"/>
+            <a:ext cx="7826829" cy="1423364"/>
           </a:xfrm>
         </p:spPr>
         <p:txBody>
           <a:bodyPr>
-            <a:normAutofit/>
+            <a:normAutofit fontScale="92500" lnSpcReduction="10000"/>
           </a:bodyPr>
           <a:lstStyle/>
           <a:p>
-            <a:pPr>
-              <a:lnSpc>
-                <a:spcPct val="150000"/>
-              </a:lnSpc>
-            </a:pPr>
+            <a:r>
+              <a:rPr lang="th-TH" sz="3200" b="1" dirty="0">
+                <a:solidFill>
+                  <a:schemeClr val="bg1"/>
+                </a:solidFill>
+              </a:rPr>
+              <a:t>ไม่มี </a:t>
+            </a:r>
             <a:r>
               <a:rPr lang="th-TH" sz="3200" dirty="0">
                 <a:solidFill>
                   <a:schemeClr val="bg1"/>
                 </a:solidFill>
               </a:rPr>
-              <a:t>ช่วยให้เราสามารถรับรู้การเกิดฝนได้เฉพาะที่ได้ล่วงหน้า</a:t>
-            </a:r>
-          </a:p>
-          <a:p>
-            <a:pPr>
-              <a:lnSpc>
-                <a:spcPct val="150000"/>
-              </a:lnSpc>
-            </a:pPr>
+              <a:t>ระบบพยากรณ์ฝนตกเฉพาะที่</a:t>
+            </a:r>
+          </a:p>
+          <a:p>
             <a:r>
               <a:rPr lang="th-TH" sz="3200" dirty="0">
                 <a:solidFill>
                   <a:schemeClr val="bg1"/>
                 </a:solidFill>
               </a:rPr>
-              <a:t>ช่วยให้เราสามารถรับรู้ข้อมูลสภาวะอากาศเฉพาะที่ได้</a:t>
-            </a:r>
-          </a:p>
-          <a:p>
-            <a:pPr>
-              <a:lnSpc>
-                <a:spcPct val="150000"/>
-              </a:lnSpc>
-            </a:pPr>
-            <a:endParaRPr lang="en-US" sz="3200" dirty="0"/>
-          </a:p>
-          <a:p>
-            <a:pPr>
-              <a:lnSpc>
-                <a:spcPct val="150000"/>
-              </a:lnSpc>
-            </a:pPr>
-            <a:endParaRPr lang="th-TH" sz="3200" dirty="0"/>
+              <a:t>ไม่สามารถวางแผนการป้องกันและลดความสูญเสีย</a:t>
+            </a:r>
+          </a:p>
+          <a:p>
+            <a:pPr lvl="1"/>
+            <a:r>
+              <a:rPr lang="th-TH" sz="2800" dirty="0">
+                <a:solidFill>
+                  <a:schemeClr val="bg1"/>
+                </a:solidFill>
+              </a:rPr>
+              <a:t>เกิดฝนตก เก็บสิ่งที่เอาไปตากไม่ทัน</a:t>
+            </a:r>
+            <a:endParaRPr lang="th-TH" dirty="0"/>
           </a:p>
         </p:txBody>
       </p:sp>
     </p:spTree>
     <p:extLst>
       <p:ext uri="{BB962C8B-B14F-4D97-AF65-F5344CB8AC3E}">
-        <p14:creationId xmlns:p14="http://schemas.microsoft.com/office/powerpoint/2010/main" val="1839453260"/>
+        <p14:creationId xmlns:p14="http://schemas.microsoft.com/office/powerpoint/2010/main" val="3469938554"/>
       </p:ext>
     </p:extLst>
   </p:cSld>
@@ -10584,7 +10615,7 @@
         <p:spPr>
           <a:xfrm>
             <a:off x="533400" y="2336873"/>
-            <a:ext cx="7678783" cy="3599316"/>
+            <a:ext cx="8162731" cy="3599316"/>
           </a:xfrm>
         </p:spPr>
         <p:txBody>
@@ -10599,7 +10630,7 @@
                   <a:schemeClr val="bg1"/>
                 </a:solidFill>
               </a:rPr>
-              <a:t>เพื่อพัฒนาโปรแกรมเครื่องมือที่ช่วยในการแสดงข้อมูลสภาวะอากาศเฉพาะที่</a:t>
+              <a:t>เพื่อพัฒนาอุปกรณ์ที่ช่วยในตรวจวัดสภาวะอากาศเฉพาะที่</a:t>
             </a:r>
           </a:p>
           <a:p>
@@ -10619,7 +10650,7 @@
                   <a:schemeClr val="bg1"/>
                 </a:solidFill>
               </a:rPr>
-              <a:t>เพื่อพัฒนาแอพพลิเคชั่นบนสมาร์ทโฟนที่ใช้เป็นเครื่องมือในการแจ้งเตือนผล การพยากรณ์ฝนตกเฉพาะที่</a:t>
+              <a:t>เพื่อพัฒนาแอพพลิเคชั่นบนสมาร์ทโฟนที่ใช้เป็นเครื่องมือในการแสดงข้อมูลสภาวะอากาศเฉพาะที่และแจ้งเตือนผลการพยากรณ์ฝนตกเฉพาะที่</a:t>
             </a:r>
           </a:p>
         </p:txBody>
